--- a/figures/article-figures/Ex Fig 2.pptx
+++ b/figures/article-figures/Ex Fig 2.pptx
@@ -3994,8 +3994,8 @@
         </p:nvSpPr>
         <p:spPr>
           <a:xfrm>
-            <a:off x="2535080" y="6173233"/>
-            <a:ext cx="782587" cy="246221"/>
+            <a:off x="2762707" y="6173233"/>
+            <a:ext cx="554960" cy="246221"/>
           </a:xfrm>
           <a:prstGeom prst="rect">
             <a:avLst/>
@@ -4017,7 +4017,7 @@
                 <a:latin typeface="Arial" panose="020B0604020202020204" pitchFamily="34" charset="0"/>
                 <a:cs typeface="Arial" panose="020B0604020202020204" pitchFamily="34" charset="0"/>
               </a:rPr>
-              <a:t>log RCVQ</a:t>
+              <a:t>RCVQ</a:t>
             </a:r>
             <a:endParaRPr lang="en-US" sz="1000" b="1" baseline="-25000" dirty="0">
               <a:latin typeface="Arial" panose="020B0604020202020204" pitchFamily="34" charset="0"/>
@@ -4040,8 +4040,8 @@
         </p:nvSpPr>
         <p:spPr>
           <a:xfrm>
-            <a:off x="2527066" y="6419454"/>
-            <a:ext cx="790601" cy="246221"/>
+            <a:off x="2754692" y="6419454"/>
+            <a:ext cx="562975" cy="246221"/>
           </a:xfrm>
           <a:prstGeom prst="rect">
             <a:avLst/>
@@ -4063,7 +4063,7 @@
                 <a:latin typeface="Arial" panose="020B0604020202020204" pitchFamily="34" charset="0"/>
                 <a:cs typeface="Arial" panose="020B0604020202020204" pitchFamily="34" charset="0"/>
               </a:rPr>
-              <a:t>log RCVM</a:t>
+              <a:t>RCVM</a:t>
             </a:r>
             <a:endParaRPr lang="en-US" sz="1000" b="1" baseline="-25000" dirty="0">
               <a:latin typeface="Arial" panose="020B0604020202020204" pitchFamily="34" charset="0"/>
